--- a/Báo cáo/BaoCaoCuoiKi_PTTKHDT_Nhom8_19CNTTD.pptx
+++ b/Báo cáo/BaoCaoCuoiKi_PTTKHDT_Nhom8_19CNTTD.pptx
@@ -4228,7 +4228,7 @@
           <a:p>
             <a:fld id="{CA30761C-5BD3-4194-9F73-32EF970AB485}" type="datetimeFigureOut">
               <a:rPr lang="en-US" smtClean="0"/>
-              <a:t>1/5/2023</a:t>
+              <a:t>1/6/2023</a:t>
             </a:fld>
             <a:endParaRPr lang="en-US"/>
           </a:p>
@@ -10288,10 +10288,10 @@
       </p:cxnSp>
       <p:pic>
         <p:nvPicPr>
-          <p:cNvPr id="4" name="Picture 3">
+          <p:cNvPr id="3" name="Picture 2">
             <a:extLst>
               <a:ext uri="{FF2B5EF4-FFF2-40B4-BE49-F238E27FC236}">
-                <a16:creationId xmlns:a16="http://schemas.microsoft.com/office/drawing/2014/main" id="{57B5BA2F-ADDA-6981-CD13-D55C14BAE30A}"/>
+                <a16:creationId xmlns:a16="http://schemas.microsoft.com/office/drawing/2014/main" id="{A162561C-0DF4-4AE8-B121-D11DAF491BDD}"/>
               </a:ext>
             </a:extLst>
           </p:cNvPr>
@@ -10308,8 +10308,8 @@
         </p:blipFill>
         <p:spPr>
           <a:xfrm>
-            <a:off x="0" y="2419243"/>
-            <a:ext cx="9144000" cy="3828836"/>
+            <a:off x="0" y="1894648"/>
+            <a:ext cx="9144000" cy="4963352"/>
           </a:xfrm>
           <a:prstGeom prst="rect">
             <a:avLst/>
@@ -10399,36 +10399,6 @@
           </a:p>
         </p:txBody>
       </p:sp>
-      <p:pic>
-        <p:nvPicPr>
-          <p:cNvPr id="11" name="Picture 10">
-            <a:extLst>
-              <a:ext uri="{FF2B5EF4-FFF2-40B4-BE49-F238E27FC236}">
-                <a16:creationId xmlns:a16="http://schemas.microsoft.com/office/drawing/2014/main" id="{1D85D938-137D-035B-22D6-1B556FE81BF2}"/>
-              </a:ext>
-            </a:extLst>
-          </p:cNvPr>
-          <p:cNvPicPr>
-            <a:picLocks noChangeAspect="1"/>
-          </p:cNvPicPr>
-          <p:nvPr/>
-        </p:nvPicPr>
-        <p:blipFill>
-          <a:blip r:embed="rId2"/>
-          <a:stretch>
-            <a:fillRect/>
-          </a:stretch>
-        </p:blipFill>
-        <p:spPr>
-          <a:xfrm>
-            <a:off x="0" y="3158641"/>
-            <a:ext cx="9144000" cy="1445692"/>
-          </a:xfrm>
-          <a:prstGeom prst="rect">
-            <a:avLst/>
-          </a:prstGeom>
-        </p:spPr>
-      </p:pic>
       <p:sp>
         <p:nvSpPr>
           <p:cNvPr id="13" name="Title 1">
@@ -10673,6 +10643,36 @@
           </a:fontRef>
         </p:style>
       </p:cxnSp>
+      <p:pic>
+        <p:nvPicPr>
+          <p:cNvPr id="5" name="Picture 4">
+            <a:extLst>
+              <a:ext uri="{FF2B5EF4-FFF2-40B4-BE49-F238E27FC236}">
+                <a16:creationId xmlns:a16="http://schemas.microsoft.com/office/drawing/2014/main" id="{E5287363-E73D-47F9-9C36-879E1269A307}"/>
+              </a:ext>
+            </a:extLst>
+          </p:cNvPr>
+          <p:cNvPicPr>
+            <a:picLocks noChangeAspect="1"/>
+          </p:cNvPicPr>
+          <p:nvPr/>
+        </p:nvPicPr>
+        <p:blipFill>
+          <a:blip r:embed="rId2"/>
+          <a:stretch>
+            <a:fillRect/>
+          </a:stretch>
+        </p:blipFill>
+        <p:spPr>
+          <a:xfrm>
+            <a:off x="0" y="2685495"/>
+            <a:ext cx="9144000" cy="1487010"/>
+          </a:xfrm>
+          <a:prstGeom prst="rect">
+            <a:avLst/>
+          </a:prstGeom>
+        </p:spPr>
+      </p:pic>
     </p:spTree>
     <p:extLst>
       <p:ext uri="{BB962C8B-B14F-4D97-AF65-F5344CB8AC3E}">
@@ -11006,10 +11006,10 @@
       </p:sp>
       <p:pic>
         <p:nvPicPr>
-          <p:cNvPr id="10" name="Picture 9">
+          <p:cNvPr id="3" name="Picture 2">
             <a:extLst>
               <a:ext uri="{FF2B5EF4-FFF2-40B4-BE49-F238E27FC236}">
-                <a16:creationId xmlns:a16="http://schemas.microsoft.com/office/drawing/2014/main" id="{D74479A4-B992-A512-6CAC-14064A53540B}"/>
+                <a16:creationId xmlns:a16="http://schemas.microsoft.com/office/drawing/2014/main" id="{FDDE1C48-ACD5-4BF7-8AD0-24EBD2D75C3D}"/>
               </a:ext>
             </a:extLst>
           </p:cNvPr>
@@ -11026,8 +11026,8 @@
         </p:blipFill>
         <p:spPr>
           <a:xfrm>
-            <a:off x="0" y="2427631"/>
-            <a:ext cx="9144000" cy="3925805"/>
+            <a:off x="0" y="1873356"/>
+            <a:ext cx="9144000" cy="4984643"/>
           </a:xfrm>
           <a:prstGeom prst="rect">
             <a:avLst/>
@@ -11367,10 +11367,10 @@
       </p:sp>
       <p:pic>
         <p:nvPicPr>
-          <p:cNvPr id="15" name="Picture 14">
+          <p:cNvPr id="4" name="Picture 3">
             <a:extLst>
               <a:ext uri="{FF2B5EF4-FFF2-40B4-BE49-F238E27FC236}">
-                <a16:creationId xmlns:a16="http://schemas.microsoft.com/office/drawing/2014/main" id="{B3605B7B-B218-6FAB-7267-28BFA5CDA419}"/>
+                <a16:creationId xmlns:a16="http://schemas.microsoft.com/office/drawing/2014/main" id="{14EF204D-D156-44B5-B153-21DA413226D4}"/>
               </a:ext>
             </a:extLst>
           </p:cNvPr>
@@ -11387,8 +11387,8 @@
         </p:blipFill>
         <p:spPr>
           <a:xfrm>
-            <a:off x="0" y="2875837"/>
-            <a:ext cx="9144000" cy="1445692"/>
+            <a:off x="-57150" y="3053817"/>
+            <a:ext cx="9144000" cy="1481885"/>
           </a:xfrm>
           <a:prstGeom prst="rect">
             <a:avLst/>
@@ -11728,10 +11728,10 @@
       </p:sp>
       <p:pic>
         <p:nvPicPr>
-          <p:cNvPr id="4" name="Picture 3">
+          <p:cNvPr id="3" name="Picture 2">
             <a:extLst>
               <a:ext uri="{FF2B5EF4-FFF2-40B4-BE49-F238E27FC236}">
-                <a16:creationId xmlns:a16="http://schemas.microsoft.com/office/drawing/2014/main" id="{D92086A5-A242-D9DF-270D-06EBB3F81ABB}"/>
+                <a16:creationId xmlns:a16="http://schemas.microsoft.com/office/drawing/2014/main" id="{B4F6585E-C175-4521-8173-598F0771452D}"/>
               </a:ext>
             </a:extLst>
           </p:cNvPr>
@@ -11748,8 +11748,8 @@
         </p:blipFill>
         <p:spPr>
           <a:xfrm>
-            <a:off x="0" y="2176759"/>
-            <a:ext cx="9144000" cy="3899647"/>
+            <a:off x="0" y="1873356"/>
+            <a:ext cx="9144000" cy="4984643"/>
           </a:xfrm>
           <a:prstGeom prst="rect">
             <a:avLst/>
@@ -12089,10 +12089,10 @@
       </p:sp>
       <p:pic>
         <p:nvPicPr>
-          <p:cNvPr id="4" name="Picture 3">
+          <p:cNvPr id="3" name="Picture 2">
             <a:extLst>
               <a:ext uri="{FF2B5EF4-FFF2-40B4-BE49-F238E27FC236}">
-                <a16:creationId xmlns:a16="http://schemas.microsoft.com/office/drawing/2014/main" id="{3FEFF010-148D-1A6F-9454-435E0D8AA560}"/>
+                <a16:creationId xmlns:a16="http://schemas.microsoft.com/office/drawing/2014/main" id="{1595D024-D3A6-4C16-8E2B-DE47AEDC457A}"/>
               </a:ext>
             </a:extLst>
           </p:cNvPr>
@@ -12109,8 +12109,8 @@
         </p:blipFill>
         <p:spPr>
           <a:xfrm>
-            <a:off x="0" y="3057875"/>
-            <a:ext cx="9144000" cy="1458686"/>
+            <a:off x="0" y="3039398"/>
+            <a:ext cx="9144000" cy="1490403"/>
           </a:xfrm>
           <a:prstGeom prst="rect">
             <a:avLst/>
@@ -12577,10 +12577,10 @@
       </p:sp>
       <p:pic>
         <p:nvPicPr>
-          <p:cNvPr id="6" name="Picture 5">
+          <p:cNvPr id="3" name="Picture 2">
             <a:extLst>
               <a:ext uri="{FF2B5EF4-FFF2-40B4-BE49-F238E27FC236}">
-                <a16:creationId xmlns:a16="http://schemas.microsoft.com/office/drawing/2014/main" id="{89D8063B-3702-202D-5108-4C54201EB5C8}"/>
+                <a16:creationId xmlns:a16="http://schemas.microsoft.com/office/drawing/2014/main" id="{BC3EB169-FB80-486F-A179-9D04630DB099}"/>
               </a:ext>
             </a:extLst>
           </p:cNvPr>
@@ -12597,8 +12597,8 @@
         </p:blipFill>
         <p:spPr>
           <a:xfrm>
-            <a:off x="0" y="2159958"/>
-            <a:ext cx="9144000" cy="4442298"/>
+            <a:off x="0" y="2011680"/>
+            <a:ext cx="9144000" cy="4846320"/>
           </a:xfrm>
           <a:prstGeom prst="rect">
             <a:avLst/>
@@ -12938,10 +12938,10 @@
       </p:sp>
       <p:pic>
         <p:nvPicPr>
-          <p:cNvPr id="6" name="Picture 5">
+          <p:cNvPr id="4" name="Picture 3">
             <a:extLst>
               <a:ext uri="{FF2B5EF4-FFF2-40B4-BE49-F238E27FC236}">
-                <a16:creationId xmlns:a16="http://schemas.microsoft.com/office/drawing/2014/main" id="{DD82CA90-662D-4E88-FA17-A4E53C82A6C8}"/>
+                <a16:creationId xmlns:a16="http://schemas.microsoft.com/office/drawing/2014/main" id="{E1A9A47B-5994-4437-A93D-DEE5986483B0}"/>
               </a:ext>
             </a:extLst>
           </p:cNvPr>
@@ -12958,8 +12958,8 @@
         </p:blipFill>
         <p:spPr>
           <a:xfrm>
-            <a:off x="0" y="2707456"/>
-            <a:ext cx="9144000" cy="2781693"/>
+            <a:off x="0" y="2590800"/>
+            <a:ext cx="9144000" cy="2795109"/>
           </a:xfrm>
           <a:prstGeom prst="rect">
             <a:avLst/>
@@ -13299,10 +13299,10 @@
       </p:sp>
       <p:pic>
         <p:nvPicPr>
-          <p:cNvPr id="6" name="Picture 5">
+          <p:cNvPr id="3" name="Picture 2">
             <a:extLst>
               <a:ext uri="{FF2B5EF4-FFF2-40B4-BE49-F238E27FC236}">
-                <a16:creationId xmlns:a16="http://schemas.microsoft.com/office/drawing/2014/main" id="{714C0F65-1117-F68B-D20B-EF30A2C6DEEE}"/>
+                <a16:creationId xmlns:a16="http://schemas.microsoft.com/office/drawing/2014/main" id="{804C9619-3211-421B-873C-5734913AF435}"/>
               </a:ext>
             </a:extLst>
           </p:cNvPr>
@@ -13319,8 +13319,8 @@
         </p:blipFill>
         <p:spPr>
           <a:xfrm>
-            <a:off x="0" y="2304305"/>
-            <a:ext cx="9144000" cy="3833091"/>
+            <a:off x="0" y="1960880"/>
+            <a:ext cx="9144000" cy="4897120"/>
           </a:xfrm>
           <a:prstGeom prst="rect">
             <a:avLst/>
@@ -13660,10 +13660,10 @@
       </p:sp>
       <p:pic>
         <p:nvPicPr>
-          <p:cNvPr id="6" name="Picture 5">
+          <p:cNvPr id="3" name="Picture 2">
             <a:extLst>
               <a:ext uri="{FF2B5EF4-FFF2-40B4-BE49-F238E27FC236}">
-                <a16:creationId xmlns:a16="http://schemas.microsoft.com/office/drawing/2014/main" id="{0440B88E-901A-2800-A86B-9D8A826CE4B7}"/>
+                <a16:creationId xmlns:a16="http://schemas.microsoft.com/office/drawing/2014/main" id="{1BABBF8C-F13B-44C9-BDAD-59CB5E6BEFA9}"/>
               </a:ext>
             </a:extLst>
           </p:cNvPr>
@@ -13681,7 +13681,7 @@
         <p:spPr>
           <a:xfrm>
             <a:off x="0" y="3429000"/>
-            <a:ext cx="9144000" cy="1494972"/>
+            <a:ext cx="9144000" cy="1465550"/>
           </a:xfrm>
           <a:prstGeom prst="rect">
             <a:avLst/>
